--- a/Documents/FRAMEWORK.pptx
+++ b/Documents/FRAMEWORK.pptx
@@ -3970,7 +3970,7 @@
         <p:spPr>
           <a:xfrm>
             <a:off x="9480145" y="5010353"/>
-            <a:ext cx="2452720" cy="1246674"/>
+            <a:ext cx="2452720" cy="1084521"/>
           </a:xfrm>
           <a:prstGeom prst="rect">
             <a:avLst/>
@@ -4046,20 +4046,6 @@
                 </a:solidFill>
               </a:rPr>
               <a:t>Permissions</a:t>
-            </a:r>
-          </a:p>
-          <a:p>
-            <a:pPr marL="285750" indent="-285750">
-              <a:buFont typeface="Arial" panose="020B0604020202020204" pitchFamily="34" charset="0"/>
-              <a:buChar char="•"/>
-            </a:pPr>
-            <a:r>
-              <a:rPr lang="en-IN" sz="1400" dirty="0">
-                <a:solidFill>
-                  <a:schemeClr val="tx1"/>
-                </a:solidFill>
-              </a:rPr>
-              <a:t>Authentications</a:t>
             </a:r>
           </a:p>
         </p:txBody>
@@ -4305,8 +4291,8 @@
         </p:nvCxnSpPr>
         <p:spPr>
           <a:xfrm flipV="1">
-            <a:off x="7216605" y="5633690"/>
-            <a:ext cx="2263540" cy="452709"/>
+            <a:off x="7216605" y="5552614"/>
+            <a:ext cx="2263540" cy="533785"/>
           </a:xfrm>
           <a:prstGeom prst="bentConnector3">
             <a:avLst/>
